--- a/07/yongki/Graph.pptx
+++ b/07/yongki/Graph.pptx
@@ -246,7 +246,7 @@
           <a:p>
             <a:fld id="{278A5395-7299-4714-9E5C-8983F2B9A6E7}" type="datetimeFigureOut">
               <a:rPr lang="ko-KR" altLang="en-US" smtClean="0"/>
-              <a:t>2022-03-30</a:t>
+              <a:t>2022-04-04</a:t>
             </a:fld>
             <a:endParaRPr lang="ko-KR" altLang="en-US"/>
           </a:p>
@@ -5222,202 +5222,6 @@
               <a:extLst>
                 <a:ext uri="{FF2B5EF4-FFF2-40B4-BE49-F238E27FC236}">
                   <a16:creationId xmlns:a16="http://schemas.microsoft.com/office/drawing/2014/main" id="{DBB49F95-719B-40E6-952B-1AB6FEE97461}"/>
-                </a:ext>
-              </a:extLst>
-            </p:cNvPr>
-            <p:cNvSpPr txBox="1"/>
-            <p:nvPr/>
-          </p:nvSpPr>
-          <p:spPr>
-            <a:xfrm>
-              <a:off x="2422182" y="2773278"/>
-              <a:ext cx="7918450" cy="307777"/>
-            </a:xfrm>
-            <a:prstGeom prst="rect">
-              <a:avLst/>
-            </a:prstGeom>
-            <a:noFill/>
-            <a:scene3d>
-              <a:camera prst="obliqueTopLeft"/>
-              <a:lightRig rig="threePt" dir="t"/>
-            </a:scene3d>
-          </p:spPr>
-          <p:txBody>
-            <a:bodyPr>
-              <a:spAutoFit/>
-            </a:bodyPr>
-            <a:lstStyle>
-              <a:defPPr>
-                <a:defRPr lang="ko-KR"/>
-              </a:defPPr>
-              <a:lvl1pPr>
-                <a:defRPr sz="2800" spc="-150">
-                  <a:latin typeface="나눔스퀘어 ExtraBold" panose="020B0600000101010101" pitchFamily="50" charset="-127"/>
-                  <a:ea typeface="나눔스퀘어 ExtraBold" panose="020B0600000101010101" pitchFamily="50" charset="-127"/>
-                </a:defRPr>
-              </a:lvl1pPr>
-            </a:lstStyle>
-            <a:p>
-              <a:pPr defTabSz="720000" eaLnBrk="1" hangingPunct="1">
-                <a:defRPr/>
-              </a:pPr>
-              <a:endParaRPr lang="ko-KR" altLang="en-US" sz="1400">
-                <a:latin typeface="맑은 고딕" panose="020B0503020000020004" pitchFamily="50" charset="-127"/>
-                <a:ea typeface="맑은 고딕" panose="020B0503020000020004" pitchFamily="50" charset="-127"/>
-                <a:cs typeface="Arial" panose="020B0604020202020204" pitchFamily="34" charset="0"/>
-              </a:endParaRPr>
-            </a:p>
-          </p:txBody>
-        </p:sp>
-      </p:grpSp>
-      <p:sp>
-        <p:nvSpPr>
-          <p:cNvPr id="21" name="TextBox 20">
-            <a:extLst>
-              <a:ext uri="{FF2B5EF4-FFF2-40B4-BE49-F238E27FC236}">
-                <a16:creationId xmlns:a16="http://schemas.microsoft.com/office/drawing/2014/main" id="{BE852A51-35C7-4CF3-9F2A-D63D682CC251}"/>
-              </a:ext>
-            </a:extLst>
-          </p:cNvPr>
-          <p:cNvSpPr txBox="1"/>
-          <p:nvPr/>
-        </p:nvSpPr>
-        <p:spPr>
-          <a:xfrm>
-            <a:off x="606082" y="3592389"/>
-            <a:ext cx="3270250" cy="369332"/>
-          </a:xfrm>
-          <a:prstGeom prst="rect">
-            <a:avLst/>
-          </a:prstGeom>
-          <a:noFill/>
-          <a:scene3d>
-            <a:camera prst="obliqueTopLeft"/>
-            <a:lightRig rig="threePt" dir="t"/>
-          </a:scene3d>
-        </p:spPr>
-        <p:txBody>
-          <a:bodyPr>
-            <a:spAutoFit/>
-          </a:bodyPr>
-          <a:lstStyle>
-            <a:defPPr>
-              <a:defRPr lang="ko-KR"/>
-            </a:defPPr>
-            <a:lvl1pPr>
-              <a:defRPr sz="2800" spc="-150">
-                <a:latin typeface="나눔스퀘어 ExtraBold" panose="020B0600000101010101" pitchFamily="50" charset="-127"/>
-                <a:ea typeface="나눔스퀘어 ExtraBold" panose="020B0600000101010101" pitchFamily="50" charset="-127"/>
-              </a:defRPr>
-            </a:lvl1pPr>
-          </a:lstStyle>
-          <a:p>
-            <a:pPr eaLnBrk="1" hangingPunct="1">
-              <a:defRPr/>
-            </a:pPr>
-            <a:r>
-              <a:rPr lang="en-US" altLang="ko-KR" sz="1800" b="1" dirty="0">
-                <a:latin typeface="맑은 고딕" panose="020B0503020000020004" pitchFamily="50" charset="-127"/>
-                <a:ea typeface="맑은 고딕" panose="020B0503020000020004" pitchFamily="50" charset="-127"/>
-                <a:cs typeface="Arial" panose="020B0604020202020204" pitchFamily="34" charset="0"/>
-              </a:rPr>
-              <a:t>3</a:t>
-            </a:r>
-            <a:endParaRPr lang="ko-KR" altLang="en-US" sz="1800" b="1" dirty="0">
-              <a:latin typeface="맑은 고딕" panose="020B0503020000020004" pitchFamily="50" charset="-127"/>
-              <a:ea typeface="맑은 고딕" panose="020B0503020000020004" pitchFamily="50" charset="-127"/>
-              <a:cs typeface="Arial" panose="020B0604020202020204" pitchFamily="34" charset="0"/>
-            </a:endParaRPr>
-          </a:p>
-        </p:txBody>
-      </p:sp>
-      <p:grpSp>
-        <p:nvGrpSpPr>
-          <p:cNvPr id="38" name="그룹 37">
-            <a:extLst>
-              <a:ext uri="{FF2B5EF4-FFF2-40B4-BE49-F238E27FC236}">
-                <a16:creationId xmlns:a16="http://schemas.microsoft.com/office/drawing/2014/main" id="{3284F333-6B3C-41AD-81EE-A6815B34E04F}"/>
-              </a:ext>
-            </a:extLst>
-          </p:cNvPr>
-          <p:cNvGrpSpPr/>
-          <p:nvPr/>
-        </p:nvGrpSpPr>
-        <p:grpSpPr>
-          <a:xfrm>
-            <a:off x="2422182" y="3580098"/>
-            <a:ext cx="7918450" cy="806150"/>
-            <a:chOff x="2422182" y="2274905"/>
-            <a:chExt cx="7918450" cy="806150"/>
-          </a:xfrm>
-        </p:grpSpPr>
-        <p:sp>
-          <p:nvSpPr>
-            <p:cNvPr id="41" name="TextBox 40">
-              <a:extLst>
-                <a:ext uri="{FF2B5EF4-FFF2-40B4-BE49-F238E27FC236}">
-                  <a16:creationId xmlns:a16="http://schemas.microsoft.com/office/drawing/2014/main" id="{CAB3C99E-089B-41EA-BC23-E2C664E10E8D}"/>
-                </a:ext>
-              </a:extLst>
-            </p:cNvPr>
-            <p:cNvSpPr txBox="1"/>
-            <p:nvPr/>
-          </p:nvSpPr>
-          <p:spPr>
-            <a:xfrm>
-              <a:off x="2422182" y="2274905"/>
-              <a:ext cx="4094034" cy="369332"/>
-            </a:xfrm>
-            <a:prstGeom prst="rect">
-              <a:avLst/>
-            </a:prstGeom>
-            <a:noFill/>
-            <a:scene3d>
-              <a:camera prst="obliqueTopLeft"/>
-              <a:lightRig rig="threePt" dir="t"/>
-            </a:scene3d>
-          </p:spPr>
-          <p:txBody>
-            <a:bodyPr wrap="square">
-              <a:spAutoFit/>
-            </a:bodyPr>
-            <a:lstStyle>
-              <a:defPPr>
-                <a:defRPr lang="ko-KR"/>
-              </a:defPPr>
-              <a:lvl1pPr>
-                <a:defRPr sz="2800" spc="-150">
-                  <a:latin typeface="나눔스퀘어 ExtraBold" panose="020B0600000101010101" pitchFamily="50" charset="-127"/>
-                  <a:ea typeface="나눔스퀘어 ExtraBold" panose="020B0600000101010101" pitchFamily="50" charset="-127"/>
-                </a:defRPr>
-              </a:lvl1pPr>
-            </a:lstStyle>
-            <a:p>
-              <a:pPr eaLnBrk="1" hangingPunct="1">
-                <a:defRPr/>
-              </a:pPr>
-              <a:r>
-                <a:rPr lang="ko-KR" altLang="en-US" sz="1800">
-                  <a:latin typeface="맑은 고딕" panose="020B0503020000020004" pitchFamily="50" charset="-127"/>
-                  <a:ea typeface="맑은 고딕" panose="020B0503020000020004" pitchFamily="50" charset="-127"/>
-                  <a:cs typeface="Arial" panose="020B0604020202020204" pitchFamily="34" charset="0"/>
-                </a:rPr>
-                <a:t>라우터</a:t>
-              </a:r>
-              <a:endParaRPr lang="ko-KR" altLang="en-US" sz="1800" dirty="0">
-                <a:latin typeface="맑은 고딕" panose="020B0503020000020004" pitchFamily="50" charset="-127"/>
-                <a:ea typeface="맑은 고딕" panose="020B0503020000020004" pitchFamily="50" charset="-127"/>
-                <a:cs typeface="Arial" panose="020B0604020202020204" pitchFamily="34" charset="0"/>
-              </a:endParaRPr>
-            </a:p>
-          </p:txBody>
-        </p:sp>
-        <p:sp>
-          <p:nvSpPr>
-            <p:cNvPr id="42" name="TextBox 41">
-              <a:extLst>
-                <a:ext uri="{FF2B5EF4-FFF2-40B4-BE49-F238E27FC236}">
-                  <a16:creationId xmlns:a16="http://schemas.microsoft.com/office/drawing/2014/main" id="{D4BE8289-2002-4328-BF6E-03E596660CBD}"/>
                 </a:ext>
               </a:extLst>
             </p:cNvPr>
@@ -9457,10 +9261,10 @@
       </p:cxnSp>
       <p:pic>
         <p:nvPicPr>
-          <p:cNvPr id="4" name="그림 3">
+          <p:cNvPr id="5" name="그림 4">
             <a:extLst>
               <a:ext uri="{FF2B5EF4-FFF2-40B4-BE49-F238E27FC236}">
-                <a16:creationId xmlns:a16="http://schemas.microsoft.com/office/drawing/2014/main" id="{B2EA88DF-5EF4-4AB2-B59A-E44DA3977830}"/>
+                <a16:creationId xmlns:a16="http://schemas.microsoft.com/office/drawing/2014/main" id="{F1AF2FD4-6FD6-4784-B259-446A29CD6946}"/>
               </a:ext>
             </a:extLst>
           </p:cNvPr>
@@ -9469,15 +9273,16 @@
           </p:cNvPicPr>
           <p:nvPr/>
         </p:nvPicPr>
-        <p:blipFill rotWithShape="1">
+        <p:blipFill>
           <a:blip r:embed="rId2"/>
-          <a:srcRect b="58965"/>
-          <a:stretch/>
+          <a:stretch>
+            <a:fillRect/>
+          </a:stretch>
         </p:blipFill>
         <p:spPr>
           <a:xfrm>
-            <a:off x="0" y="1390926"/>
-            <a:ext cx="9144000" cy="1648054"/>
+            <a:off x="3995936" y="1402658"/>
+            <a:ext cx="4313837" cy="1749763"/>
           </a:xfrm>
           <a:prstGeom prst="rect">
             <a:avLst/>
@@ -9486,39 +9291,10 @@
       </p:pic>
       <p:pic>
         <p:nvPicPr>
-          <p:cNvPr id="13" name="그림 12">
+          <p:cNvPr id="8" name="그림 7">
             <a:extLst>
               <a:ext uri="{FF2B5EF4-FFF2-40B4-BE49-F238E27FC236}">
-                <a16:creationId xmlns:a16="http://schemas.microsoft.com/office/drawing/2014/main" id="{3F75518A-E44B-4152-B949-E95A76A23AEF}"/>
-              </a:ext>
-            </a:extLst>
-          </p:cNvPr>
-          <p:cNvPicPr>
-            <a:picLocks noChangeAspect="1"/>
-          </p:cNvPicPr>
-          <p:nvPr/>
-        </p:nvPicPr>
-        <p:blipFill rotWithShape="1">
-          <a:blip r:embed="rId2"/>
-          <a:srcRect t="41616"/>
-          <a:stretch/>
-        </p:blipFill>
-        <p:spPr>
-          <a:xfrm>
-            <a:off x="35496" y="4513192"/>
-            <a:ext cx="9144000" cy="2344808"/>
-          </a:xfrm>
-          <a:prstGeom prst="rect">
-            <a:avLst/>
-          </a:prstGeom>
-        </p:spPr>
-      </p:pic>
-      <p:pic>
-        <p:nvPicPr>
-          <p:cNvPr id="7" name="그림 6">
-            <a:extLst>
-              <a:ext uri="{FF2B5EF4-FFF2-40B4-BE49-F238E27FC236}">
-                <a16:creationId xmlns:a16="http://schemas.microsoft.com/office/drawing/2014/main" id="{983B745A-E488-469D-BEEB-BC2713140475}"/>
+                <a16:creationId xmlns:a16="http://schemas.microsoft.com/office/drawing/2014/main" id="{33DC2B6A-7655-4219-8DED-6D00F32F3604}"/>
               </a:ext>
             </a:extLst>
           </p:cNvPr>
@@ -9535,38 +9311,8 @@
         </p:blipFill>
         <p:spPr>
           <a:xfrm>
-            <a:off x="2195736" y="3026531"/>
-            <a:ext cx="2016224" cy="1486661"/>
-          </a:xfrm>
-          <a:prstGeom prst="rect">
-            <a:avLst/>
-          </a:prstGeom>
-        </p:spPr>
-      </p:pic>
-      <p:pic>
-        <p:nvPicPr>
-          <p:cNvPr id="9" name="그림 8">
-            <a:extLst>
-              <a:ext uri="{FF2B5EF4-FFF2-40B4-BE49-F238E27FC236}">
-                <a16:creationId xmlns:a16="http://schemas.microsoft.com/office/drawing/2014/main" id="{FB2D796A-EDA1-442E-85C5-015DB73992F3}"/>
-              </a:ext>
-            </a:extLst>
-          </p:cNvPr>
-          <p:cNvPicPr>
-            <a:picLocks noChangeAspect="1"/>
-          </p:cNvPicPr>
-          <p:nvPr/>
-        </p:nvPicPr>
-        <p:blipFill>
-          <a:blip r:embed="rId4"/>
-          <a:stretch>
-            <a:fillRect/>
-          </a:stretch>
-        </p:blipFill>
-        <p:spPr>
-          <a:xfrm>
-            <a:off x="6415469" y="3012622"/>
-            <a:ext cx="1982214" cy="1486661"/>
+            <a:off x="425183" y="3040225"/>
+            <a:ext cx="8143262" cy="3825439"/>
           </a:xfrm>
           <a:prstGeom prst="rect">
             <a:avLst/>
@@ -9583,81 +9329,6 @@
   <p:clrMapOvr>
     <a:masterClrMapping/>
   </p:clrMapOvr>
-  <p:timing>
-    <p:tnLst>
-      <p:par>
-        <p:cTn id="1" dur="indefinite" restart="never" nodeType="tmRoot">
-          <p:childTnLst>
-            <p:seq concurrent="1" nextAc="seek">
-              <p:cTn id="2" dur="indefinite" nodeType="mainSeq">
-                <p:childTnLst>
-                  <p:par>
-                    <p:cTn id="3" fill="hold">
-                      <p:stCondLst>
-                        <p:cond delay="indefinite"/>
-                      </p:stCondLst>
-                      <p:childTnLst>
-                        <p:par>
-                          <p:cTn id="4" fill="hold">
-                            <p:stCondLst>
-                              <p:cond delay="0"/>
-                            </p:stCondLst>
-                            <p:childTnLst>
-                              <p:par>
-                                <p:cTn id="5" presetID="1" presetClass="entr" presetSubtype="0" fill="hold" nodeType="clickEffect">
-                                  <p:stCondLst>
-                                    <p:cond delay="0"/>
-                                  </p:stCondLst>
-                                  <p:childTnLst>
-                                    <p:set>
-                                      <p:cBhvr>
-                                        <p:cTn id="6" dur="1" fill="hold">
-                                          <p:stCondLst>
-                                            <p:cond delay="0"/>
-                                          </p:stCondLst>
-                                        </p:cTn>
-                                        <p:tgtEl>
-                                          <p:spTgt spid="13"/>
-                                        </p:tgtEl>
-                                        <p:attrNameLst>
-                                          <p:attrName>style.visibility</p:attrName>
-                                        </p:attrNameLst>
-                                      </p:cBhvr>
-                                      <p:to>
-                                        <p:strVal val="visible"/>
-                                      </p:to>
-                                    </p:set>
-                                  </p:childTnLst>
-                                </p:cTn>
-                              </p:par>
-                            </p:childTnLst>
-                          </p:cTn>
-                        </p:par>
-                      </p:childTnLst>
-                    </p:cTn>
-                  </p:par>
-                </p:childTnLst>
-              </p:cTn>
-              <p:prevCondLst>
-                <p:cond evt="onPrev" delay="0">
-                  <p:tgtEl>
-                    <p:sldTgt/>
-                  </p:tgtEl>
-                </p:cond>
-              </p:prevCondLst>
-              <p:nextCondLst>
-                <p:cond evt="onNext" delay="0">
-                  <p:tgtEl>
-                    <p:sldTgt/>
-                  </p:tgtEl>
-                </p:cond>
-              </p:nextCondLst>
-            </p:seq>
-          </p:childTnLst>
-        </p:cTn>
-      </p:par>
-    </p:tnLst>
-  </p:timing>
 </p:sld>
 </file>
 
